--- a/personal/sweety_road_osg/designs.pptx
+++ b/personal/sweety_road_osg/designs.pptx
@@ -7,7 +7,8 @@
   <p:sldIdLst>
     <p:sldId id="256" r:id="rId2"/>
     <p:sldId id="257" r:id="rId3"/>
-    <p:sldId id="258" r:id="rId4"/>
+    <p:sldId id="259" r:id="rId4"/>
+    <p:sldId id="258" r:id="rId5"/>
   </p:sldIdLst>
   <p:sldSz cx="12192000" cy="6858000"/>
   <p:notesSz cx="6858000" cy="9144000"/>
@@ -106,6 +107,11 @@
       </a:defRPr>
     </a:lvl9pPr>
   </p:defaultTextStyle>
+  <p:extLst>
+    <p:ext uri="{EFAFB233-063F-42B5-8137-9DF3F51BA10A}">
+      <p15:sldGuideLst xmlns:p15="http://schemas.microsoft.com/office/powerpoint/2012/main"/>
+    </p:ext>
+  </p:extLst>
 </p:presentation>
 </file>
 
@@ -256,7 +262,7 @@
           <a:p>
             <a:fld id="{52887DDE-B5BA-4700-B378-1636974331A6}" type="datetimeFigureOut">
               <a:rPr lang="ko-KR" altLang="en-US" smtClean="0"/>
-              <a:t>2020-06-03</a:t>
+              <a:t>2020-06-04</a:t>
             </a:fld>
             <a:endParaRPr lang="ko-KR" altLang="en-US"/>
           </a:p>
@@ -454,7 +460,7 @@
           <a:p>
             <a:fld id="{52887DDE-B5BA-4700-B378-1636974331A6}" type="datetimeFigureOut">
               <a:rPr lang="ko-KR" altLang="en-US" smtClean="0"/>
-              <a:t>2020-06-03</a:t>
+              <a:t>2020-06-04</a:t>
             </a:fld>
             <a:endParaRPr lang="ko-KR" altLang="en-US"/>
           </a:p>
@@ -662,7 +668,7 @@
           <a:p>
             <a:fld id="{52887DDE-B5BA-4700-B378-1636974331A6}" type="datetimeFigureOut">
               <a:rPr lang="ko-KR" altLang="en-US" smtClean="0"/>
-              <a:t>2020-06-03</a:t>
+              <a:t>2020-06-04</a:t>
             </a:fld>
             <a:endParaRPr lang="ko-KR" altLang="en-US"/>
           </a:p>
@@ -860,7 +866,7 @@
           <a:p>
             <a:fld id="{52887DDE-B5BA-4700-B378-1636974331A6}" type="datetimeFigureOut">
               <a:rPr lang="ko-KR" altLang="en-US" smtClean="0"/>
-              <a:t>2020-06-03</a:t>
+              <a:t>2020-06-04</a:t>
             </a:fld>
             <a:endParaRPr lang="ko-KR" altLang="en-US"/>
           </a:p>
@@ -1135,7 +1141,7 @@
           <a:p>
             <a:fld id="{52887DDE-B5BA-4700-B378-1636974331A6}" type="datetimeFigureOut">
               <a:rPr lang="ko-KR" altLang="en-US" smtClean="0"/>
-              <a:t>2020-06-03</a:t>
+              <a:t>2020-06-04</a:t>
             </a:fld>
             <a:endParaRPr lang="ko-KR" altLang="en-US"/>
           </a:p>
@@ -1400,7 +1406,7 @@
           <a:p>
             <a:fld id="{52887DDE-B5BA-4700-B378-1636974331A6}" type="datetimeFigureOut">
               <a:rPr lang="ko-KR" altLang="en-US" smtClean="0"/>
-              <a:t>2020-06-03</a:t>
+              <a:t>2020-06-04</a:t>
             </a:fld>
             <a:endParaRPr lang="ko-KR" altLang="en-US"/>
           </a:p>
@@ -1812,7 +1818,7 @@
           <a:p>
             <a:fld id="{52887DDE-B5BA-4700-B378-1636974331A6}" type="datetimeFigureOut">
               <a:rPr lang="ko-KR" altLang="en-US" smtClean="0"/>
-              <a:t>2020-06-03</a:t>
+              <a:t>2020-06-04</a:t>
             </a:fld>
             <a:endParaRPr lang="ko-KR" altLang="en-US"/>
           </a:p>
@@ -1953,7 +1959,7 @@
           <a:p>
             <a:fld id="{52887DDE-B5BA-4700-B378-1636974331A6}" type="datetimeFigureOut">
               <a:rPr lang="ko-KR" altLang="en-US" smtClean="0"/>
-              <a:t>2020-06-03</a:t>
+              <a:t>2020-06-04</a:t>
             </a:fld>
             <a:endParaRPr lang="ko-KR" altLang="en-US"/>
           </a:p>
@@ -2066,7 +2072,7 @@
           <a:p>
             <a:fld id="{52887DDE-B5BA-4700-B378-1636974331A6}" type="datetimeFigureOut">
               <a:rPr lang="ko-KR" altLang="en-US" smtClean="0"/>
-              <a:t>2020-06-03</a:t>
+              <a:t>2020-06-04</a:t>
             </a:fld>
             <a:endParaRPr lang="ko-KR" altLang="en-US"/>
           </a:p>
@@ -2377,7 +2383,7 @@
           <a:p>
             <a:fld id="{52887DDE-B5BA-4700-B378-1636974331A6}" type="datetimeFigureOut">
               <a:rPr lang="ko-KR" altLang="en-US" smtClean="0"/>
-              <a:t>2020-06-03</a:t>
+              <a:t>2020-06-04</a:t>
             </a:fld>
             <a:endParaRPr lang="ko-KR" altLang="en-US"/>
           </a:p>
@@ -2665,7 +2671,7 @@
           <a:p>
             <a:fld id="{52887DDE-B5BA-4700-B378-1636974331A6}" type="datetimeFigureOut">
               <a:rPr lang="ko-KR" altLang="en-US" smtClean="0"/>
-              <a:t>2020-06-03</a:t>
+              <a:t>2020-06-04</a:t>
             </a:fld>
             <a:endParaRPr lang="ko-KR" altLang="en-US"/>
           </a:p>
@@ -2906,7 +2912,7 @@
           <a:p>
             <a:fld id="{52887DDE-B5BA-4700-B378-1636974331A6}" type="datetimeFigureOut">
               <a:rPr lang="ko-KR" altLang="en-US" smtClean="0"/>
-              <a:t>2020-06-03</a:t>
+              <a:t>2020-06-04</a:t>
             </a:fld>
             <a:endParaRPr lang="ko-KR" altLang="en-US"/>
           </a:p>
@@ -4457,7 +4463,7 @@
         </p:blipFill>
         <p:spPr>
           <a:xfrm>
-            <a:off x="1108075" y="4014787"/>
+            <a:off x="7133094" y="4114801"/>
             <a:ext cx="1095375" cy="1038225"/>
           </a:xfrm>
           <a:prstGeom prst="rect">
@@ -5157,6 +5163,284 @@
           </a:p>
         </p:txBody>
       </p:sp>
+      <p:sp>
+        <p:nvSpPr>
+          <p:cNvPr id="22" name="직사각형 21">
+            <a:extLst>
+              <a:ext uri="{FF2B5EF4-FFF2-40B4-BE49-F238E27FC236}">
+                <a16:creationId xmlns:a16="http://schemas.microsoft.com/office/drawing/2014/main" id="{C6527850-F01F-4545-A2B4-A7049856E72E}"/>
+              </a:ext>
+            </a:extLst>
+          </p:cNvPr>
+          <p:cNvSpPr/>
+          <p:nvPr/>
+        </p:nvSpPr>
+        <p:spPr>
+          <a:xfrm>
+            <a:off x="1370437" y="3971186"/>
+            <a:ext cx="1051752" cy="1051752"/>
+          </a:xfrm>
+          <a:prstGeom prst="rect">
+            <a:avLst/>
+          </a:prstGeom>
+          <a:solidFill>
+            <a:srgbClr val="4D497B"/>
+          </a:solidFill>
+        </p:spPr>
+        <p:style>
+          <a:lnRef idx="2">
+            <a:schemeClr val="accent1">
+              <a:shade val="50000"/>
+            </a:schemeClr>
+          </a:lnRef>
+          <a:fillRef idx="1">
+            <a:schemeClr val="accent1"/>
+          </a:fillRef>
+          <a:effectRef idx="0">
+            <a:schemeClr val="accent1"/>
+          </a:effectRef>
+          <a:fontRef idx="minor">
+            <a:schemeClr val="lt1"/>
+          </a:fontRef>
+        </p:style>
+        <p:txBody>
+          <a:bodyPr rtlCol="0" anchor="ctr"/>
+          <a:lstStyle/>
+          <a:p>
+            <a:pPr algn="ctr"/>
+            <a:endParaRPr lang="ko-KR" altLang="en-US"/>
+          </a:p>
+        </p:txBody>
+      </p:sp>
+      <p:sp>
+        <p:nvSpPr>
+          <p:cNvPr id="15" name="육각형 14">
+            <a:extLst>
+              <a:ext uri="{FF2B5EF4-FFF2-40B4-BE49-F238E27FC236}">
+                <a16:creationId xmlns:a16="http://schemas.microsoft.com/office/drawing/2014/main" id="{50F90218-F1CA-46FA-A17B-670961FDB946}"/>
+              </a:ext>
+            </a:extLst>
+          </p:cNvPr>
+          <p:cNvSpPr/>
+          <p:nvPr/>
+        </p:nvSpPr>
+        <p:spPr>
+          <a:xfrm>
+            <a:off x="1415829" y="4114801"/>
+            <a:ext cx="958992" cy="826717"/>
+          </a:xfrm>
+          <a:prstGeom prst="hexagon">
+            <a:avLst/>
+          </a:prstGeom>
+          <a:solidFill>
+            <a:srgbClr val="009AD0"/>
+          </a:solidFill>
+          <a:ln>
+            <a:noFill/>
+          </a:ln>
+          <a:effectLst>
+            <a:softEdge rad="12700"/>
+          </a:effectLst>
+          <a:scene3d>
+            <a:camera prst="orthographicFront"/>
+            <a:lightRig rig="threePt" dir="t"/>
+          </a:scene3d>
+          <a:sp3d prstMaterial="plastic">
+            <a:bevelT w="120650"/>
+          </a:sp3d>
+        </p:spPr>
+        <p:style>
+          <a:lnRef idx="2">
+            <a:schemeClr val="accent1">
+              <a:shade val="50000"/>
+            </a:schemeClr>
+          </a:lnRef>
+          <a:fillRef idx="1">
+            <a:schemeClr val="accent1"/>
+          </a:fillRef>
+          <a:effectRef idx="0">
+            <a:schemeClr val="accent1"/>
+          </a:effectRef>
+          <a:fontRef idx="minor">
+            <a:schemeClr val="lt1"/>
+          </a:fontRef>
+        </p:style>
+        <p:txBody>
+          <a:bodyPr rtlCol="0" anchor="ctr"/>
+          <a:lstStyle/>
+          <a:p>
+            <a:pPr algn="ctr"/>
+            <a:endParaRPr lang="ko-KR" altLang="en-US"/>
+          </a:p>
+        </p:txBody>
+      </p:sp>
+      <p:sp>
+        <p:nvSpPr>
+          <p:cNvPr id="23" name="육각형 22">
+            <a:extLst>
+              <a:ext uri="{FF2B5EF4-FFF2-40B4-BE49-F238E27FC236}">
+                <a16:creationId xmlns:a16="http://schemas.microsoft.com/office/drawing/2014/main" id="{DF675DD4-6183-4D91-A3B7-6B338F08C705}"/>
+              </a:ext>
+            </a:extLst>
+          </p:cNvPr>
+          <p:cNvSpPr/>
+          <p:nvPr/>
+        </p:nvSpPr>
+        <p:spPr>
+          <a:xfrm>
+            <a:off x="1609941" y="4293384"/>
+            <a:ext cx="544174" cy="469115"/>
+          </a:xfrm>
+          <a:prstGeom prst="hexagon">
+            <a:avLst/>
+          </a:prstGeom>
+          <a:solidFill>
+            <a:srgbClr val="002060">
+              <a:alpha val="23000"/>
+            </a:srgbClr>
+          </a:solidFill>
+          <a:ln>
+            <a:noFill/>
+          </a:ln>
+          <a:effectLst>
+            <a:softEdge rad="63500"/>
+          </a:effectLst>
+        </p:spPr>
+        <p:style>
+          <a:lnRef idx="2">
+            <a:schemeClr val="accent1">
+              <a:shade val="50000"/>
+            </a:schemeClr>
+          </a:lnRef>
+          <a:fillRef idx="1">
+            <a:schemeClr val="accent1"/>
+          </a:fillRef>
+          <a:effectRef idx="0">
+            <a:schemeClr val="accent1"/>
+          </a:effectRef>
+          <a:fontRef idx="minor">
+            <a:schemeClr val="lt1"/>
+          </a:fontRef>
+        </p:style>
+        <p:txBody>
+          <a:bodyPr rtlCol="0" anchor="ctr"/>
+          <a:lstStyle/>
+          <a:p>
+            <a:pPr algn="ctr"/>
+            <a:endParaRPr lang="ko-KR" altLang="en-US" dirty="0"/>
+          </a:p>
+        </p:txBody>
+      </p:sp>
+      <p:sp>
+        <p:nvSpPr>
+          <p:cNvPr id="18" name="직사각형 17">
+            <a:extLst>
+              <a:ext uri="{FF2B5EF4-FFF2-40B4-BE49-F238E27FC236}">
+                <a16:creationId xmlns:a16="http://schemas.microsoft.com/office/drawing/2014/main" id="{3A9F9E6D-8D9C-4D7F-A93F-B738511C67F2}"/>
+              </a:ext>
+            </a:extLst>
+          </p:cNvPr>
+          <p:cNvSpPr/>
+          <p:nvPr/>
+        </p:nvSpPr>
+        <p:spPr>
+          <a:xfrm rot="21038532">
+            <a:off x="1623396" y="2766134"/>
+            <a:ext cx="285750" cy="792338"/>
+          </a:xfrm>
+          <a:prstGeom prst="rect">
+            <a:avLst/>
+          </a:prstGeom>
+          <a:solidFill>
+            <a:srgbClr val="E28700"/>
+          </a:solidFill>
+          <a:ln>
+            <a:noFill/>
+          </a:ln>
+          <a:effectLst>
+            <a:softEdge rad="101600"/>
+          </a:effectLst>
+        </p:spPr>
+        <p:style>
+          <a:lnRef idx="2">
+            <a:schemeClr val="accent1">
+              <a:shade val="50000"/>
+            </a:schemeClr>
+          </a:lnRef>
+          <a:fillRef idx="1">
+            <a:schemeClr val="accent1"/>
+          </a:fillRef>
+          <a:effectRef idx="0">
+            <a:schemeClr val="accent1"/>
+          </a:effectRef>
+          <a:fontRef idx="minor">
+            <a:schemeClr val="lt1"/>
+          </a:fontRef>
+        </p:style>
+        <p:txBody>
+          <a:bodyPr rtlCol="0" anchor="ctr"/>
+          <a:lstStyle/>
+          <a:p>
+            <a:pPr algn="ctr"/>
+            <a:endParaRPr lang="ko-KR" altLang="en-US"/>
+          </a:p>
+        </p:txBody>
+      </p:sp>
+      <p:sp>
+        <p:nvSpPr>
+          <p:cNvPr id="24" name="직사각형 23">
+            <a:extLst>
+              <a:ext uri="{FF2B5EF4-FFF2-40B4-BE49-F238E27FC236}">
+                <a16:creationId xmlns:a16="http://schemas.microsoft.com/office/drawing/2014/main" id="{3CD3E38A-FBDE-4893-9F48-A1F094413BCF}"/>
+              </a:ext>
+            </a:extLst>
+          </p:cNvPr>
+          <p:cNvSpPr/>
+          <p:nvPr/>
+        </p:nvSpPr>
+        <p:spPr>
+          <a:xfrm rot="736031">
+            <a:off x="1862079" y="2777663"/>
+            <a:ext cx="285750" cy="792338"/>
+          </a:xfrm>
+          <a:prstGeom prst="rect">
+            <a:avLst/>
+          </a:prstGeom>
+          <a:solidFill>
+            <a:srgbClr val="E28700"/>
+          </a:solidFill>
+          <a:ln>
+            <a:noFill/>
+          </a:ln>
+          <a:effectLst>
+            <a:softEdge rad="101600"/>
+          </a:effectLst>
+        </p:spPr>
+        <p:style>
+          <a:lnRef idx="2">
+            <a:schemeClr val="accent1">
+              <a:shade val="50000"/>
+            </a:schemeClr>
+          </a:lnRef>
+          <a:fillRef idx="1">
+            <a:schemeClr val="accent1"/>
+          </a:fillRef>
+          <a:effectRef idx="0">
+            <a:schemeClr val="accent1"/>
+          </a:effectRef>
+          <a:fontRef idx="minor">
+            <a:schemeClr val="lt1"/>
+          </a:fontRef>
+        </p:style>
+        <p:txBody>
+          <a:bodyPr rtlCol="0" anchor="ctr"/>
+          <a:lstStyle/>
+          <a:p>
+            <a:pPr algn="ctr"/>
+            <a:endParaRPr lang="ko-KR" altLang="en-US"/>
+          </a:p>
+        </p:txBody>
+      </p:sp>
     </p:spTree>
     <p:extLst>
       <p:ext uri="{BB962C8B-B14F-4D97-AF65-F5344CB8AC3E}">
@@ -5316,9 +5600,10 @@
           <a:prstGeom prst="rect">
             <a:avLst/>
           </a:prstGeom>
-          <a:solidFill>
-            <a:srgbClr val="4D497B"/>
-          </a:solidFill>
+          <a:noFill/>
+          <a:ln>
+            <a:noFill/>
+          </a:ln>
         </p:spPr>
         <p:style>
           <a:lnRef idx="2">
@@ -5637,7 +5922,7 @@
         </p:blipFill>
         <p:spPr>
           <a:xfrm>
-            <a:off x="1108075" y="4014787"/>
+            <a:off x="7133094" y="4114801"/>
             <a:ext cx="1095375" cy="1038225"/>
           </a:xfrm>
           <a:prstGeom prst="rect">
@@ -5848,6 +6133,1469 @@
           <a:solidFill>
             <a:srgbClr val="4D497B"/>
           </a:solidFill>
+        </p:spPr>
+        <p:style>
+          <a:lnRef idx="2">
+            <a:schemeClr val="accent1">
+              <a:shade val="50000"/>
+            </a:schemeClr>
+          </a:lnRef>
+          <a:fillRef idx="1">
+            <a:schemeClr val="accent1"/>
+          </a:fillRef>
+          <a:effectRef idx="0">
+            <a:schemeClr val="accent1"/>
+          </a:effectRef>
+          <a:fontRef idx="minor">
+            <a:schemeClr val="lt1"/>
+          </a:fontRef>
+        </p:style>
+        <p:txBody>
+          <a:bodyPr rtlCol="0" anchor="ctr"/>
+          <a:lstStyle/>
+          <a:p>
+            <a:pPr algn="ctr"/>
+            <a:endParaRPr lang="ko-KR" altLang="en-US"/>
+          </a:p>
+        </p:txBody>
+      </p:sp>
+      <p:sp>
+        <p:nvSpPr>
+          <p:cNvPr id="12" name="타원 11">
+            <a:extLst>
+              <a:ext uri="{FF2B5EF4-FFF2-40B4-BE49-F238E27FC236}">
+                <a16:creationId xmlns:a16="http://schemas.microsoft.com/office/drawing/2014/main" id="{9365F112-3053-4BAC-9F2E-D8512992D843}"/>
+              </a:ext>
+            </a:extLst>
+          </p:cNvPr>
+          <p:cNvSpPr/>
+          <p:nvPr/>
+        </p:nvSpPr>
+        <p:spPr>
+          <a:xfrm>
+            <a:off x="2853720" y="1560255"/>
+            <a:ext cx="714980" cy="757495"/>
+          </a:xfrm>
+          <a:prstGeom prst="ellipse">
+            <a:avLst/>
+          </a:prstGeom>
+          <a:solidFill>
+            <a:srgbClr val="52AF19"/>
+          </a:solidFill>
+          <a:ln>
+            <a:noFill/>
+          </a:ln>
+          <a:scene3d>
+            <a:camera prst="orthographicFront"/>
+            <a:lightRig rig="threePt" dir="t"/>
+          </a:scene3d>
+          <a:sp3d prstMaterial="plastic">
+            <a:bevelT w="82550" h="127000"/>
+            <a:bevelB w="0" h="120650"/>
+          </a:sp3d>
+        </p:spPr>
+        <p:style>
+          <a:lnRef idx="2">
+            <a:schemeClr val="accent1">
+              <a:shade val="50000"/>
+            </a:schemeClr>
+          </a:lnRef>
+          <a:fillRef idx="1">
+            <a:schemeClr val="accent1"/>
+          </a:fillRef>
+          <a:effectRef idx="0">
+            <a:schemeClr val="accent1"/>
+          </a:effectRef>
+          <a:fontRef idx="minor">
+            <a:schemeClr val="lt1"/>
+          </a:fontRef>
+        </p:style>
+        <p:txBody>
+          <a:bodyPr rtlCol="0" anchor="ctr"/>
+          <a:lstStyle/>
+          <a:p>
+            <a:pPr algn="ctr"/>
+            <a:endParaRPr lang="ko-KR" altLang="en-US"/>
+          </a:p>
+        </p:txBody>
+      </p:sp>
+      <p:sp>
+        <p:nvSpPr>
+          <p:cNvPr id="14" name="원형: 비어 있음 13">
+            <a:extLst>
+              <a:ext uri="{FF2B5EF4-FFF2-40B4-BE49-F238E27FC236}">
+                <a16:creationId xmlns:a16="http://schemas.microsoft.com/office/drawing/2014/main" id="{DF3114CA-79CD-49ED-9652-EE3B7514512D}"/>
+              </a:ext>
+            </a:extLst>
+          </p:cNvPr>
+          <p:cNvSpPr/>
+          <p:nvPr/>
+        </p:nvSpPr>
+        <p:spPr>
+          <a:xfrm>
+            <a:off x="2758963" y="1514474"/>
+            <a:ext cx="952502" cy="952502"/>
+          </a:xfrm>
+          <a:prstGeom prst="donut">
+            <a:avLst>
+              <a:gd name="adj" fmla="val 36221"/>
+            </a:avLst>
+          </a:prstGeom>
+          <a:solidFill>
+            <a:srgbClr val="70E12C"/>
+          </a:solidFill>
+          <a:ln>
+            <a:noFill/>
+          </a:ln>
+          <a:scene3d>
+            <a:camera prst="orthographicFront"/>
+            <a:lightRig rig="threePt" dir="t"/>
+          </a:scene3d>
+          <a:sp3d>
+            <a:bevelT w="146050" h="114300"/>
+          </a:sp3d>
+        </p:spPr>
+        <p:style>
+          <a:lnRef idx="2">
+            <a:schemeClr val="accent1">
+              <a:shade val="50000"/>
+            </a:schemeClr>
+          </a:lnRef>
+          <a:fillRef idx="1">
+            <a:schemeClr val="accent1"/>
+          </a:fillRef>
+          <a:effectRef idx="0">
+            <a:schemeClr val="accent1"/>
+          </a:effectRef>
+          <a:fontRef idx="minor">
+            <a:schemeClr val="lt1"/>
+          </a:fontRef>
+        </p:style>
+        <p:txBody>
+          <a:bodyPr rtlCol="0" anchor="ctr"/>
+          <a:lstStyle/>
+          <a:p>
+            <a:pPr algn="ctr"/>
+            <a:endParaRPr lang="ko-KR" altLang="en-US">
+              <a:solidFill>
+                <a:schemeClr val="tx1"/>
+              </a:solidFill>
+            </a:endParaRPr>
+          </a:p>
+        </p:txBody>
+      </p:sp>
+      <p:sp>
+        <p:nvSpPr>
+          <p:cNvPr id="16" name="자유형: 도형 15">
+            <a:extLst>
+              <a:ext uri="{FF2B5EF4-FFF2-40B4-BE49-F238E27FC236}">
+                <a16:creationId xmlns:a16="http://schemas.microsoft.com/office/drawing/2014/main" id="{66DE4BFE-3E4B-4F6F-96DA-7E80DCC8EC58}"/>
+              </a:ext>
+            </a:extLst>
+          </p:cNvPr>
+          <p:cNvSpPr/>
+          <p:nvPr/>
+        </p:nvSpPr>
+        <p:spPr>
+          <a:xfrm>
+            <a:off x="1420063" y="2717801"/>
+            <a:ext cx="952500" cy="889000"/>
+          </a:xfrm>
+          <a:custGeom>
+            <a:avLst/>
+            <a:gdLst>
+              <a:gd name="connsiteX0" fmla="*/ 6350 w 952500"/>
+              <a:gd name="connsiteY0" fmla="*/ 158750 h 889000"/>
+              <a:gd name="connsiteX1" fmla="*/ 127000 w 952500"/>
+              <a:gd name="connsiteY1" fmla="*/ 63500 h 889000"/>
+              <a:gd name="connsiteX2" fmla="*/ 247650 w 952500"/>
+              <a:gd name="connsiteY2" fmla="*/ 31750 h 889000"/>
+              <a:gd name="connsiteX3" fmla="*/ 336550 w 952500"/>
+              <a:gd name="connsiteY3" fmla="*/ 6350 h 889000"/>
+              <a:gd name="connsiteX4" fmla="*/ 431800 w 952500"/>
+              <a:gd name="connsiteY4" fmla="*/ 6350 h 889000"/>
+              <a:gd name="connsiteX5" fmla="*/ 577850 w 952500"/>
+              <a:gd name="connsiteY5" fmla="*/ 0 h 889000"/>
+              <a:gd name="connsiteX6" fmla="*/ 711200 w 952500"/>
+              <a:gd name="connsiteY6" fmla="*/ 31750 h 889000"/>
+              <a:gd name="connsiteX7" fmla="*/ 806450 w 952500"/>
+              <a:gd name="connsiteY7" fmla="*/ 57150 h 889000"/>
+              <a:gd name="connsiteX8" fmla="*/ 863600 w 952500"/>
+              <a:gd name="connsiteY8" fmla="*/ 101600 h 889000"/>
+              <a:gd name="connsiteX9" fmla="*/ 920750 w 952500"/>
+              <a:gd name="connsiteY9" fmla="*/ 133350 h 889000"/>
+              <a:gd name="connsiteX10" fmla="*/ 933450 w 952500"/>
+              <a:gd name="connsiteY10" fmla="*/ 171450 h 889000"/>
+              <a:gd name="connsiteX11" fmla="*/ 952500 w 952500"/>
+              <a:gd name="connsiteY11" fmla="*/ 203200 h 889000"/>
+              <a:gd name="connsiteX12" fmla="*/ 920750 w 952500"/>
+              <a:gd name="connsiteY12" fmla="*/ 355600 h 889000"/>
+              <a:gd name="connsiteX13" fmla="*/ 869950 w 952500"/>
+              <a:gd name="connsiteY13" fmla="*/ 488950 h 889000"/>
+              <a:gd name="connsiteX14" fmla="*/ 774700 w 952500"/>
+              <a:gd name="connsiteY14" fmla="*/ 704850 h 889000"/>
+              <a:gd name="connsiteX15" fmla="*/ 673100 w 952500"/>
+              <a:gd name="connsiteY15" fmla="*/ 857250 h 889000"/>
+              <a:gd name="connsiteX16" fmla="*/ 571500 w 952500"/>
+              <a:gd name="connsiteY16" fmla="*/ 889000 h 889000"/>
+              <a:gd name="connsiteX17" fmla="*/ 501650 w 952500"/>
+              <a:gd name="connsiteY17" fmla="*/ 889000 h 889000"/>
+              <a:gd name="connsiteX18" fmla="*/ 323850 w 952500"/>
+              <a:gd name="connsiteY18" fmla="*/ 882650 h 889000"/>
+              <a:gd name="connsiteX19" fmla="*/ 228600 w 952500"/>
+              <a:gd name="connsiteY19" fmla="*/ 806450 h 889000"/>
+              <a:gd name="connsiteX20" fmla="*/ 165100 w 952500"/>
+              <a:gd name="connsiteY20" fmla="*/ 692150 h 889000"/>
+              <a:gd name="connsiteX21" fmla="*/ 95250 w 952500"/>
+              <a:gd name="connsiteY21" fmla="*/ 520700 h 889000"/>
+              <a:gd name="connsiteX22" fmla="*/ 44450 w 952500"/>
+              <a:gd name="connsiteY22" fmla="*/ 393700 h 889000"/>
+              <a:gd name="connsiteX23" fmla="*/ 0 w 952500"/>
+              <a:gd name="connsiteY23" fmla="*/ 254000 h 889000"/>
+              <a:gd name="connsiteX24" fmla="*/ 6350 w 952500"/>
+              <a:gd name="connsiteY24" fmla="*/ 158750 h 889000"/>
+            </a:gdLst>
+            <a:ahLst/>
+            <a:cxnLst>
+              <a:cxn ang="0">
+                <a:pos x="connsiteX0" y="connsiteY0"/>
+              </a:cxn>
+              <a:cxn ang="0">
+                <a:pos x="connsiteX1" y="connsiteY1"/>
+              </a:cxn>
+              <a:cxn ang="0">
+                <a:pos x="connsiteX2" y="connsiteY2"/>
+              </a:cxn>
+              <a:cxn ang="0">
+                <a:pos x="connsiteX3" y="connsiteY3"/>
+              </a:cxn>
+              <a:cxn ang="0">
+                <a:pos x="connsiteX4" y="connsiteY4"/>
+              </a:cxn>
+              <a:cxn ang="0">
+                <a:pos x="connsiteX5" y="connsiteY5"/>
+              </a:cxn>
+              <a:cxn ang="0">
+                <a:pos x="connsiteX6" y="connsiteY6"/>
+              </a:cxn>
+              <a:cxn ang="0">
+                <a:pos x="connsiteX7" y="connsiteY7"/>
+              </a:cxn>
+              <a:cxn ang="0">
+                <a:pos x="connsiteX8" y="connsiteY8"/>
+              </a:cxn>
+              <a:cxn ang="0">
+                <a:pos x="connsiteX9" y="connsiteY9"/>
+              </a:cxn>
+              <a:cxn ang="0">
+                <a:pos x="connsiteX10" y="connsiteY10"/>
+              </a:cxn>
+              <a:cxn ang="0">
+                <a:pos x="connsiteX11" y="connsiteY11"/>
+              </a:cxn>
+              <a:cxn ang="0">
+                <a:pos x="connsiteX12" y="connsiteY12"/>
+              </a:cxn>
+              <a:cxn ang="0">
+                <a:pos x="connsiteX13" y="connsiteY13"/>
+              </a:cxn>
+              <a:cxn ang="0">
+                <a:pos x="connsiteX14" y="connsiteY14"/>
+              </a:cxn>
+              <a:cxn ang="0">
+                <a:pos x="connsiteX15" y="connsiteY15"/>
+              </a:cxn>
+              <a:cxn ang="0">
+                <a:pos x="connsiteX16" y="connsiteY16"/>
+              </a:cxn>
+              <a:cxn ang="0">
+                <a:pos x="connsiteX17" y="connsiteY17"/>
+              </a:cxn>
+              <a:cxn ang="0">
+                <a:pos x="connsiteX18" y="connsiteY18"/>
+              </a:cxn>
+              <a:cxn ang="0">
+                <a:pos x="connsiteX19" y="connsiteY19"/>
+              </a:cxn>
+              <a:cxn ang="0">
+                <a:pos x="connsiteX20" y="connsiteY20"/>
+              </a:cxn>
+              <a:cxn ang="0">
+                <a:pos x="connsiteX21" y="connsiteY21"/>
+              </a:cxn>
+              <a:cxn ang="0">
+                <a:pos x="connsiteX22" y="connsiteY22"/>
+              </a:cxn>
+              <a:cxn ang="0">
+                <a:pos x="connsiteX23" y="connsiteY23"/>
+              </a:cxn>
+              <a:cxn ang="0">
+                <a:pos x="connsiteX24" y="connsiteY24"/>
+              </a:cxn>
+            </a:cxnLst>
+            <a:rect l="l" t="t" r="r" b="b"/>
+            <a:pathLst>
+              <a:path w="952500" h="889000">
+                <a:moveTo>
+                  <a:pt x="6350" y="158750"/>
+                </a:moveTo>
+                <a:lnTo>
+                  <a:pt x="127000" y="63500"/>
+                </a:lnTo>
+                <a:lnTo>
+                  <a:pt x="247650" y="31750"/>
+                </a:lnTo>
+                <a:lnTo>
+                  <a:pt x="336550" y="6350"/>
+                </a:lnTo>
+                <a:lnTo>
+                  <a:pt x="431800" y="6350"/>
+                </a:lnTo>
+                <a:lnTo>
+                  <a:pt x="577850" y="0"/>
+                </a:lnTo>
+                <a:lnTo>
+                  <a:pt x="711200" y="31750"/>
+                </a:lnTo>
+                <a:lnTo>
+                  <a:pt x="806450" y="57150"/>
+                </a:lnTo>
+                <a:lnTo>
+                  <a:pt x="863600" y="101600"/>
+                </a:lnTo>
+                <a:lnTo>
+                  <a:pt x="920750" y="133350"/>
+                </a:lnTo>
+                <a:lnTo>
+                  <a:pt x="933450" y="171450"/>
+                </a:lnTo>
+                <a:lnTo>
+                  <a:pt x="952500" y="203200"/>
+                </a:lnTo>
+                <a:lnTo>
+                  <a:pt x="920750" y="355600"/>
+                </a:lnTo>
+                <a:lnTo>
+                  <a:pt x="869950" y="488950"/>
+                </a:lnTo>
+                <a:lnTo>
+                  <a:pt x="774700" y="704850"/>
+                </a:lnTo>
+                <a:lnTo>
+                  <a:pt x="673100" y="857250"/>
+                </a:lnTo>
+                <a:lnTo>
+                  <a:pt x="571500" y="889000"/>
+                </a:lnTo>
+                <a:lnTo>
+                  <a:pt x="501650" y="889000"/>
+                </a:lnTo>
+                <a:lnTo>
+                  <a:pt x="323850" y="882650"/>
+                </a:lnTo>
+                <a:lnTo>
+                  <a:pt x="228600" y="806450"/>
+                </a:lnTo>
+                <a:lnTo>
+                  <a:pt x="165100" y="692150"/>
+                </a:lnTo>
+                <a:lnTo>
+                  <a:pt x="95250" y="520700"/>
+                </a:lnTo>
+                <a:lnTo>
+                  <a:pt x="44450" y="393700"/>
+                </a:lnTo>
+                <a:lnTo>
+                  <a:pt x="0" y="254000"/>
+                </a:lnTo>
+                <a:lnTo>
+                  <a:pt x="6350" y="158750"/>
+                </a:lnTo>
+                <a:close/>
+              </a:path>
+            </a:pathLst>
+          </a:custGeom>
+          <a:solidFill>
+            <a:srgbClr val="FFC111"/>
+          </a:solidFill>
+          <a:ln>
+            <a:noFill/>
+          </a:ln>
+          <a:effectLst>
+            <a:softEdge rad="12700"/>
+          </a:effectLst>
+          <a:scene3d>
+            <a:camera prst="orthographicFront"/>
+            <a:lightRig rig="threePt" dir="t"/>
+          </a:scene3d>
+          <a:sp3d prstMaterial="plastic">
+            <a:bevelT w="120650"/>
+          </a:sp3d>
+        </p:spPr>
+        <p:style>
+          <a:lnRef idx="2">
+            <a:schemeClr val="accent1">
+              <a:shade val="50000"/>
+            </a:schemeClr>
+          </a:lnRef>
+          <a:fillRef idx="1">
+            <a:schemeClr val="accent1"/>
+          </a:fillRef>
+          <a:effectRef idx="0">
+            <a:schemeClr val="accent1"/>
+          </a:effectRef>
+          <a:fontRef idx="minor">
+            <a:schemeClr val="lt1"/>
+          </a:fontRef>
+        </p:style>
+        <p:txBody>
+          <a:bodyPr rtlCol="0" anchor="ctr"/>
+          <a:lstStyle/>
+          <a:p>
+            <a:pPr algn="ctr"/>
+            <a:endParaRPr lang="ko-KR" altLang="en-US"/>
+          </a:p>
+        </p:txBody>
+      </p:sp>
+      <p:sp>
+        <p:nvSpPr>
+          <p:cNvPr id="19" name="원형: 비어 있음 18">
+            <a:extLst>
+              <a:ext uri="{FF2B5EF4-FFF2-40B4-BE49-F238E27FC236}">
+                <a16:creationId xmlns:a16="http://schemas.microsoft.com/office/drawing/2014/main" id="{377C2F05-01A5-45A2-915F-BD61CFE9DF18}"/>
+              </a:ext>
+            </a:extLst>
+          </p:cNvPr>
+          <p:cNvSpPr/>
+          <p:nvPr/>
+        </p:nvSpPr>
+        <p:spPr>
+          <a:xfrm rot="18502479">
+            <a:off x="2717268" y="2714194"/>
+            <a:ext cx="1019639" cy="804137"/>
+          </a:xfrm>
+          <a:prstGeom prst="donut">
+            <a:avLst>
+              <a:gd name="adj" fmla="val 36221"/>
+            </a:avLst>
+          </a:prstGeom>
+          <a:solidFill>
+            <a:srgbClr val="F54618"/>
+          </a:solidFill>
+          <a:ln>
+            <a:noFill/>
+          </a:ln>
+          <a:scene3d>
+            <a:camera prst="orthographicFront"/>
+            <a:lightRig rig="threePt" dir="t"/>
+          </a:scene3d>
+          <a:sp3d>
+            <a:bevelT w="146050" h="114300"/>
+          </a:sp3d>
+        </p:spPr>
+        <p:style>
+          <a:lnRef idx="2">
+            <a:schemeClr val="accent1">
+              <a:shade val="50000"/>
+            </a:schemeClr>
+          </a:lnRef>
+          <a:fillRef idx="1">
+            <a:schemeClr val="accent1"/>
+          </a:fillRef>
+          <a:effectRef idx="0">
+            <a:schemeClr val="accent1"/>
+          </a:effectRef>
+          <a:fontRef idx="minor">
+            <a:schemeClr val="lt1"/>
+          </a:fontRef>
+        </p:style>
+        <p:txBody>
+          <a:bodyPr rtlCol="0" anchor="ctr"/>
+          <a:lstStyle/>
+          <a:p>
+            <a:pPr algn="ctr"/>
+            <a:endParaRPr lang="ko-KR" altLang="en-US">
+              <a:solidFill>
+                <a:schemeClr val="tx1"/>
+              </a:solidFill>
+            </a:endParaRPr>
+          </a:p>
+        </p:txBody>
+      </p:sp>
+      <p:sp>
+        <p:nvSpPr>
+          <p:cNvPr id="22" name="직사각형 21">
+            <a:extLst>
+              <a:ext uri="{FF2B5EF4-FFF2-40B4-BE49-F238E27FC236}">
+                <a16:creationId xmlns:a16="http://schemas.microsoft.com/office/drawing/2014/main" id="{C6527850-F01F-4545-A2B4-A7049856E72E}"/>
+              </a:ext>
+            </a:extLst>
+          </p:cNvPr>
+          <p:cNvSpPr/>
+          <p:nvPr/>
+        </p:nvSpPr>
+        <p:spPr>
+          <a:xfrm>
+            <a:off x="1370437" y="4002065"/>
+            <a:ext cx="1051752" cy="1051752"/>
+          </a:xfrm>
+          <a:prstGeom prst="rect">
+            <a:avLst/>
+          </a:prstGeom>
+          <a:noFill/>
+          <a:ln>
+            <a:noFill/>
+          </a:ln>
+        </p:spPr>
+        <p:style>
+          <a:lnRef idx="2">
+            <a:schemeClr val="accent1">
+              <a:shade val="50000"/>
+            </a:schemeClr>
+          </a:lnRef>
+          <a:fillRef idx="1">
+            <a:schemeClr val="accent1"/>
+          </a:fillRef>
+          <a:effectRef idx="0">
+            <a:schemeClr val="accent1"/>
+          </a:effectRef>
+          <a:fontRef idx="minor">
+            <a:schemeClr val="lt1"/>
+          </a:fontRef>
+        </p:style>
+        <p:txBody>
+          <a:bodyPr rtlCol="0" anchor="ctr"/>
+          <a:lstStyle/>
+          <a:p>
+            <a:pPr algn="ctr"/>
+            <a:endParaRPr lang="ko-KR" altLang="en-US"/>
+          </a:p>
+        </p:txBody>
+      </p:sp>
+      <p:sp>
+        <p:nvSpPr>
+          <p:cNvPr id="15" name="육각형 14">
+            <a:extLst>
+              <a:ext uri="{FF2B5EF4-FFF2-40B4-BE49-F238E27FC236}">
+                <a16:creationId xmlns:a16="http://schemas.microsoft.com/office/drawing/2014/main" id="{50F90218-F1CA-46FA-A17B-670961FDB946}"/>
+              </a:ext>
+            </a:extLst>
+          </p:cNvPr>
+          <p:cNvSpPr/>
+          <p:nvPr/>
+        </p:nvSpPr>
+        <p:spPr>
+          <a:xfrm>
+            <a:off x="1415829" y="4114801"/>
+            <a:ext cx="958992" cy="826717"/>
+          </a:xfrm>
+          <a:prstGeom prst="hexagon">
+            <a:avLst/>
+          </a:prstGeom>
+          <a:solidFill>
+            <a:srgbClr val="009AD0"/>
+          </a:solidFill>
+          <a:ln>
+            <a:noFill/>
+          </a:ln>
+          <a:effectLst>
+            <a:softEdge rad="12700"/>
+          </a:effectLst>
+          <a:scene3d>
+            <a:camera prst="orthographicFront"/>
+            <a:lightRig rig="threePt" dir="t"/>
+          </a:scene3d>
+          <a:sp3d prstMaterial="plastic">
+            <a:bevelT w="120650"/>
+          </a:sp3d>
+        </p:spPr>
+        <p:style>
+          <a:lnRef idx="2">
+            <a:schemeClr val="accent1">
+              <a:shade val="50000"/>
+            </a:schemeClr>
+          </a:lnRef>
+          <a:fillRef idx="1">
+            <a:schemeClr val="accent1"/>
+          </a:fillRef>
+          <a:effectRef idx="0">
+            <a:schemeClr val="accent1"/>
+          </a:effectRef>
+          <a:fontRef idx="minor">
+            <a:schemeClr val="lt1"/>
+          </a:fontRef>
+        </p:style>
+        <p:txBody>
+          <a:bodyPr rtlCol="0" anchor="ctr"/>
+          <a:lstStyle/>
+          <a:p>
+            <a:pPr algn="ctr"/>
+            <a:endParaRPr lang="ko-KR" altLang="en-US"/>
+          </a:p>
+        </p:txBody>
+      </p:sp>
+      <p:sp>
+        <p:nvSpPr>
+          <p:cNvPr id="23" name="육각형 22">
+            <a:extLst>
+              <a:ext uri="{FF2B5EF4-FFF2-40B4-BE49-F238E27FC236}">
+                <a16:creationId xmlns:a16="http://schemas.microsoft.com/office/drawing/2014/main" id="{DF675DD4-6183-4D91-A3B7-6B338F08C705}"/>
+              </a:ext>
+            </a:extLst>
+          </p:cNvPr>
+          <p:cNvSpPr/>
+          <p:nvPr/>
+        </p:nvSpPr>
+        <p:spPr>
+          <a:xfrm>
+            <a:off x="1609941" y="4293384"/>
+            <a:ext cx="544174" cy="469115"/>
+          </a:xfrm>
+          <a:prstGeom prst="hexagon">
+            <a:avLst/>
+          </a:prstGeom>
+          <a:solidFill>
+            <a:srgbClr val="002060">
+              <a:alpha val="23000"/>
+            </a:srgbClr>
+          </a:solidFill>
+          <a:ln>
+            <a:noFill/>
+          </a:ln>
+          <a:effectLst>
+            <a:softEdge rad="63500"/>
+          </a:effectLst>
+        </p:spPr>
+        <p:style>
+          <a:lnRef idx="2">
+            <a:schemeClr val="accent1">
+              <a:shade val="50000"/>
+            </a:schemeClr>
+          </a:lnRef>
+          <a:fillRef idx="1">
+            <a:schemeClr val="accent1"/>
+          </a:fillRef>
+          <a:effectRef idx="0">
+            <a:schemeClr val="accent1"/>
+          </a:effectRef>
+          <a:fontRef idx="minor">
+            <a:schemeClr val="lt1"/>
+          </a:fontRef>
+        </p:style>
+        <p:txBody>
+          <a:bodyPr rtlCol="0" anchor="ctr"/>
+          <a:lstStyle/>
+          <a:p>
+            <a:pPr algn="ctr"/>
+            <a:endParaRPr lang="ko-KR" altLang="en-US" dirty="0"/>
+          </a:p>
+        </p:txBody>
+      </p:sp>
+      <p:sp>
+        <p:nvSpPr>
+          <p:cNvPr id="18" name="직사각형 17">
+            <a:extLst>
+              <a:ext uri="{FF2B5EF4-FFF2-40B4-BE49-F238E27FC236}">
+                <a16:creationId xmlns:a16="http://schemas.microsoft.com/office/drawing/2014/main" id="{3A9F9E6D-8D9C-4D7F-A93F-B738511C67F2}"/>
+              </a:ext>
+            </a:extLst>
+          </p:cNvPr>
+          <p:cNvSpPr/>
+          <p:nvPr/>
+        </p:nvSpPr>
+        <p:spPr>
+          <a:xfrm rot="21038532">
+            <a:off x="1623396" y="2766134"/>
+            <a:ext cx="285750" cy="792338"/>
+          </a:xfrm>
+          <a:prstGeom prst="rect">
+            <a:avLst/>
+          </a:prstGeom>
+          <a:solidFill>
+            <a:srgbClr val="E28700"/>
+          </a:solidFill>
+          <a:ln>
+            <a:noFill/>
+          </a:ln>
+          <a:effectLst>
+            <a:softEdge rad="101600"/>
+          </a:effectLst>
+        </p:spPr>
+        <p:style>
+          <a:lnRef idx="2">
+            <a:schemeClr val="accent1">
+              <a:shade val="50000"/>
+            </a:schemeClr>
+          </a:lnRef>
+          <a:fillRef idx="1">
+            <a:schemeClr val="accent1"/>
+          </a:fillRef>
+          <a:effectRef idx="0">
+            <a:schemeClr val="accent1"/>
+          </a:effectRef>
+          <a:fontRef idx="minor">
+            <a:schemeClr val="lt1"/>
+          </a:fontRef>
+        </p:style>
+        <p:txBody>
+          <a:bodyPr rtlCol="0" anchor="ctr"/>
+          <a:lstStyle/>
+          <a:p>
+            <a:pPr algn="ctr"/>
+            <a:endParaRPr lang="ko-KR" altLang="en-US"/>
+          </a:p>
+        </p:txBody>
+      </p:sp>
+      <p:sp>
+        <p:nvSpPr>
+          <p:cNvPr id="24" name="직사각형 23">
+            <a:extLst>
+              <a:ext uri="{FF2B5EF4-FFF2-40B4-BE49-F238E27FC236}">
+                <a16:creationId xmlns:a16="http://schemas.microsoft.com/office/drawing/2014/main" id="{3CD3E38A-FBDE-4893-9F48-A1F094413BCF}"/>
+              </a:ext>
+            </a:extLst>
+          </p:cNvPr>
+          <p:cNvSpPr/>
+          <p:nvPr/>
+        </p:nvSpPr>
+        <p:spPr>
+          <a:xfrm rot="736031">
+            <a:off x="1862079" y="2777663"/>
+            <a:ext cx="285750" cy="792338"/>
+          </a:xfrm>
+          <a:prstGeom prst="rect">
+            <a:avLst/>
+          </a:prstGeom>
+          <a:solidFill>
+            <a:srgbClr val="E28700"/>
+          </a:solidFill>
+          <a:ln>
+            <a:noFill/>
+          </a:ln>
+          <a:effectLst>
+            <a:softEdge rad="101600"/>
+          </a:effectLst>
+        </p:spPr>
+        <p:style>
+          <a:lnRef idx="2">
+            <a:schemeClr val="accent1">
+              <a:shade val="50000"/>
+            </a:schemeClr>
+          </a:lnRef>
+          <a:fillRef idx="1">
+            <a:schemeClr val="accent1"/>
+          </a:fillRef>
+          <a:effectRef idx="0">
+            <a:schemeClr val="accent1"/>
+          </a:effectRef>
+          <a:fontRef idx="minor">
+            <a:schemeClr val="lt1"/>
+          </a:fontRef>
+        </p:style>
+        <p:txBody>
+          <a:bodyPr rtlCol="0" anchor="ctr"/>
+          <a:lstStyle/>
+          <a:p>
+            <a:pPr algn="ctr"/>
+            <a:endParaRPr lang="ko-KR" altLang="en-US"/>
+          </a:p>
+        </p:txBody>
+      </p:sp>
+    </p:spTree>
+    <p:extLst>
+      <p:ext uri="{BB962C8B-B14F-4D97-AF65-F5344CB8AC3E}">
+        <p14:creationId xmlns:p14="http://schemas.microsoft.com/office/powerpoint/2010/main" val="3308068568"/>
+      </p:ext>
+    </p:extLst>
+  </p:cSld>
+  <p:clrMapOvr>
+    <a:masterClrMapping/>
+  </p:clrMapOvr>
+</p:sld>
+</file>
+
+<file path=ppt/slides/slide4.xml><?xml version="1.0" encoding="utf-8"?>
+<p:sld xmlns:a="http://schemas.openxmlformats.org/drawingml/2006/main" xmlns:r="http://schemas.openxmlformats.org/officeDocument/2006/relationships" xmlns:p="http://schemas.openxmlformats.org/presentationml/2006/main">
+  <p:cSld>
+    <p:spTree>
+      <p:nvGrpSpPr>
+        <p:cNvPr id="1" name=""/>
+        <p:cNvGrpSpPr/>
+        <p:nvPr/>
+      </p:nvGrpSpPr>
+      <p:grpSpPr>
+        <a:xfrm>
+          <a:off x="0" y="0"/>
+          <a:ext cx="0" cy="0"/>
+          <a:chOff x="0" y="0"/>
+          <a:chExt cx="0" cy="0"/>
+        </a:xfrm>
+      </p:grpSpPr>
+      <p:sp>
+        <p:nvSpPr>
+          <p:cNvPr id="20" name="직사각형 19">
+            <a:extLst>
+              <a:ext uri="{FF2B5EF4-FFF2-40B4-BE49-F238E27FC236}">
+                <a16:creationId xmlns:a16="http://schemas.microsoft.com/office/drawing/2014/main" id="{0B02F23A-37CA-4AAD-8A4B-103DED412551}"/>
+              </a:ext>
+            </a:extLst>
+          </p:cNvPr>
+          <p:cNvSpPr/>
+          <p:nvPr/>
+        </p:nvSpPr>
+        <p:spPr>
+          <a:xfrm>
+            <a:off x="2711404" y="2624552"/>
+            <a:ext cx="1051752" cy="1051752"/>
+          </a:xfrm>
+          <a:prstGeom prst="rect">
+            <a:avLst/>
+          </a:prstGeom>
+          <a:noFill/>
+          <a:ln>
+            <a:noFill/>
+          </a:ln>
+        </p:spPr>
+        <p:style>
+          <a:lnRef idx="2">
+            <a:schemeClr val="accent1">
+              <a:shade val="50000"/>
+            </a:schemeClr>
+          </a:lnRef>
+          <a:fillRef idx="1">
+            <a:schemeClr val="accent1"/>
+          </a:fillRef>
+          <a:effectRef idx="0">
+            <a:schemeClr val="accent1"/>
+          </a:effectRef>
+          <a:fontRef idx="minor">
+            <a:schemeClr val="lt1"/>
+          </a:fontRef>
+        </p:style>
+        <p:txBody>
+          <a:bodyPr rtlCol="0" anchor="ctr"/>
+          <a:lstStyle/>
+          <a:p>
+            <a:pPr algn="ctr"/>
+            <a:endParaRPr lang="ko-KR" altLang="en-US"/>
+          </a:p>
+        </p:txBody>
+      </p:sp>
+      <p:sp>
+        <p:nvSpPr>
+          <p:cNvPr id="21" name="타원 20">
+            <a:extLst>
+              <a:ext uri="{FF2B5EF4-FFF2-40B4-BE49-F238E27FC236}">
+                <a16:creationId xmlns:a16="http://schemas.microsoft.com/office/drawing/2014/main" id="{FD35CA36-0E87-49E7-B6D9-9421BE42CB84}"/>
+              </a:ext>
+            </a:extLst>
+          </p:cNvPr>
+          <p:cNvSpPr/>
+          <p:nvPr/>
+        </p:nvSpPr>
+        <p:spPr>
+          <a:xfrm>
+            <a:off x="2869597" y="2717801"/>
+            <a:ext cx="714980" cy="757495"/>
+          </a:xfrm>
+          <a:prstGeom prst="ellipse">
+            <a:avLst/>
+          </a:prstGeom>
+          <a:solidFill>
+            <a:srgbClr val="D53509"/>
+          </a:solidFill>
+          <a:ln>
+            <a:noFill/>
+          </a:ln>
+          <a:scene3d>
+            <a:camera prst="orthographicFront"/>
+            <a:lightRig rig="threePt" dir="t"/>
+          </a:scene3d>
+          <a:sp3d prstMaterial="plastic">
+            <a:bevelT w="82550" h="127000"/>
+            <a:bevelB w="0" h="120650"/>
+          </a:sp3d>
+        </p:spPr>
+        <p:style>
+          <a:lnRef idx="2">
+            <a:schemeClr val="accent1">
+              <a:shade val="50000"/>
+            </a:schemeClr>
+          </a:lnRef>
+          <a:fillRef idx="1">
+            <a:schemeClr val="accent1"/>
+          </a:fillRef>
+          <a:effectRef idx="0">
+            <a:schemeClr val="accent1"/>
+          </a:effectRef>
+          <a:fontRef idx="minor">
+            <a:schemeClr val="lt1"/>
+          </a:fontRef>
+        </p:style>
+        <p:txBody>
+          <a:bodyPr rtlCol="0" anchor="ctr"/>
+          <a:lstStyle/>
+          <a:p>
+            <a:pPr algn="ctr"/>
+            <a:endParaRPr lang="ko-KR" altLang="en-US"/>
+          </a:p>
+        </p:txBody>
+      </p:sp>
+      <p:sp>
+        <p:nvSpPr>
+          <p:cNvPr id="17" name="직사각형 16">
+            <a:extLst>
+              <a:ext uri="{FF2B5EF4-FFF2-40B4-BE49-F238E27FC236}">
+                <a16:creationId xmlns:a16="http://schemas.microsoft.com/office/drawing/2014/main" id="{72143812-FCEF-408C-9F37-3411D819FD2D}"/>
+              </a:ext>
+            </a:extLst>
+          </p:cNvPr>
+          <p:cNvSpPr/>
+          <p:nvPr/>
+        </p:nvSpPr>
+        <p:spPr>
+          <a:xfrm>
+            <a:off x="1370437" y="2630901"/>
+            <a:ext cx="1051752" cy="1051752"/>
+          </a:xfrm>
+          <a:prstGeom prst="rect">
+            <a:avLst/>
+          </a:prstGeom>
+          <a:noFill/>
+          <a:ln>
+            <a:noFill/>
+          </a:ln>
+        </p:spPr>
+        <p:style>
+          <a:lnRef idx="2">
+            <a:schemeClr val="accent1">
+              <a:shade val="50000"/>
+            </a:schemeClr>
+          </a:lnRef>
+          <a:fillRef idx="1">
+            <a:schemeClr val="accent1"/>
+          </a:fillRef>
+          <a:effectRef idx="0">
+            <a:schemeClr val="accent1"/>
+          </a:effectRef>
+          <a:fontRef idx="minor">
+            <a:schemeClr val="lt1"/>
+          </a:fontRef>
+        </p:style>
+        <p:txBody>
+          <a:bodyPr rtlCol="0" anchor="ctr"/>
+          <a:lstStyle/>
+          <a:p>
+            <a:pPr algn="ctr"/>
+            <a:endParaRPr lang="ko-KR" altLang="en-US"/>
+          </a:p>
+        </p:txBody>
+      </p:sp>
+      <p:sp>
+        <p:nvSpPr>
+          <p:cNvPr id="11" name="직사각형 10">
+            <a:extLst>
+              <a:ext uri="{FF2B5EF4-FFF2-40B4-BE49-F238E27FC236}">
+                <a16:creationId xmlns:a16="http://schemas.microsoft.com/office/drawing/2014/main" id="{E334E6D4-A6D4-4B3D-922B-C4C22005B2D8}"/>
+              </a:ext>
+            </a:extLst>
+          </p:cNvPr>
+          <p:cNvSpPr/>
+          <p:nvPr/>
+        </p:nvSpPr>
+        <p:spPr>
+          <a:xfrm>
+            <a:off x="1370437" y="1448973"/>
+            <a:ext cx="1051752" cy="1051752"/>
+          </a:xfrm>
+          <a:prstGeom prst="rect">
+            <a:avLst/>
+          </a:prstGeom>
+          <a:noFill/>
+          <a:ln>
+            <a:noFill/>
+          </a:ln>
+        </p:spPr>
+        <p:style>
+          <a:lnRef idx="2">
+            <a:schemeClr val="accent1">
+              <a:shade val="50000"/>
+            </a:schemeClr>
+          </a:lnRef>
+          <a:fillRef idx="1">
+            <a:schemeClr val="accent1"/>
+          </a:fillRef>
+          <a:effectRef idx="0">
+            <a:schemeClr val="accent1"/>
+          </a:effectRef>
+          <a:fontRef idx="minor">
+            <a:schemeClr val="lt1"/>
+          </a:fontRef>
+        </p:style>
+        <p:txBody>
+          <a:bodyPr rtlCol="0" anchor="ctr"/>
+          <a:lstStyle/>
+          <a:p>
+            <a:pPr algn="ctr"/>
+            <a:endParaRPr lang="ko-KR" altLang="en-US"/>
+          </a:p>
+        </p:txBody>
+      </p:sp>
+      <p:sp>
+        <p:nvSpPr>
+          <p:cNvPr id="6" name="타원 5">
+            <a:extLst>
+              <a:ext uri="{FF2B5EF4-FFF2-40B4-BE49-F238E27FC236}">
+                <a16:creationId xmlns:a16="http://schemas.microsoft.com/office/drawing/2014/main" id="{A0EF14B4-5FE3-4A07-A955-A65A9158B2B1}"/>
+              </a:ext>
+            </a:extLst>
+          </p:cNvPr>
+          <p:cNvSpPr/>
+          <p:nvPr/>
+        </p:nvSpPr>
+        <p:spPr>
+          <a:xfrm>
+            <a:off x="1524000" y="1514474"/>
+            <a:ext cx="418854" cy="409576"/>
+          </a:xfrm>
+          <a:prstGeom prst="ellipse">
+            <a:avLst/>
+          </a:prstGeom>
+          <a:solidFill>
+            <a:srgbClr val="DC2BDF"/>
+          </a:solidFill>
+          <a:ln>
+            <a:noFill/>
+          </a:ln>
+          <a:scene3d>
+            <a:camera prst="orthographicFront"/>
+            <a:lightRig rig="threePt" dir="t"/>
+          </a:scene3d>
+          <a:sp3d prstMaterial="plastic">
+            <a:bevelT w="82550" h="127000"/>
+            <a:bevelB w="0" h="120650"/>
+          </a:sp3d>
+        </p:spPr>
+        <p:style>
+          <a:lnRef idx="2">
+            <a:schemeClr val="accent1">
+              <a:shade val="50000"/>
+            </a:schemeClr>
+          </a:lnRef>
+          <a:fillRef idx="1">
+            <a:schemeClr val="accent1"/>
+          </a:fillRef>
+          <a:effectRef idx="0">
+            <a:schemeClr val="accent1"/>
+          </a:effectRef>
+          <a:fontRef idx="minor">
+            <a:schemeClr val="lt1"/>
+          </a:fontRef>
+        </p:style>
+        <p:txBody>
+          <a:bodyPr rtlCol="0" anchor="ctr"/>
+          <a:lstStyle/>
+          <a:p>
+            <a:pPr algn="ctr"/>
+            <a:endParaRPr lang="ko-KR" altLang="en-US"/>
+          </a:p>
+        </p:txBody>
+      </p:sp>
+      <p:sp>
+        <p:nvSpPr>
+          <p:cNvPr id="10" name="타원 9">
+            <a:extLst>
+              <a:ext uri="{FF2B5EF4-FFF2-40B4-BE49-F238E27FC236}">
+                <a16:creationId xmlns:a16="http://schemas.microsoft.com/office/drawing/2014/main" id="{583078AF-DFB4-4828-A32D-76A3790DF8A6}"/>
+              </a:ext>
+            </a:extLst>
+          </p:cNvPr>
+          <p:cNvSpPr/>
+          <p:nvPr/>
+        </p:nvSpPr>
+        <p:spPr>
+          <a:xfrm>
+            <a:off x="1409364" y="1820861"/>
+            <a:ext cx="418854" cy="409576"/>
+          </a:xfrm>
+          <a:prstGeom prst="ellipse">
+            <a:avLst/>
+          </a:prstGeom>
+          <a:solidFill>
+            <a:srgbClr val="DC2BDF"/>
+          </a:solidFill>
+          <a:ln>
+            <a:noFill/>
+          </a:ln>
+          <a:scene3d>
+            <a:camera prst="orthographicFront"/>
+            <a:lightRig rig="threePt" dir="t"/>
+          </a:scene3d>
+          <a:sp3d prstMaterial="plastic">
+            <a:bevelT w="82550" h="127000"/>
+            <a:bevelB w="0" h="120650"/>
+          </a:sp3d>
+        </p:spPr>
+        <p:style>
+          <a:lnRef idx="2">
+            <a:schemeClr val="accent1">
+              <a:shade val="50000"/>
+            </a:schemeClr>
+          </a:lnRef>
+          <a:fillRef idx="1">
+            <a:schemeClr val="accent1"/>
+          </a:fillRef>
+          <a:effectRef idx="0">
+            <a:schemeClr val="accent1"/>
+          </a:effectRef>
+          <a:fontRef idx="minor">
+            <a:schemeClr val="lt1"/>
+          </a:fontRef>
+        </p:style>
+        <p:txBody>
+          <a:bodyPr rtlCol="0" anchor="ctr"/>
+          <a:lstStyle/>
+          <a:p>
+            <a:pPr algn="ctr"/>
+            <a:endParaRPr lang="ko-KR" altLang="en-US"/>
+          </a:p>
+        </p:txBody>
+      </p:sp>
+      <p:pic>
+        <p:nvPicPr>
+          <p:cNvPr id="2" name="그림 1">
+            <a:extLst>
+              <a:ext uri="{FF2B5EF4-FFF2-40B4-BE49-F238E27FC236}">
+                <a16:creationId xmlns:a16="http://schemas.microsoft.com/office/drawing/2014/main" id="{C316EE81-CC4E-41B9-A014-A2BCA894181D}"/>
+              </a:ext>
+            </a:extLst>
+          </p:cNvPr>
+          <p:cNvPicPr>
+            <a:picLocks noChangeAspect="1"/>
+          </p:cNvPicPr>
+          <p:nvPr/>
+        </p:nvPicPr>
+        <p:blipFill>
+          <a:blip r:embed="rId2">
+            <a:clrChange>
+              <a:clrFrom>
+                <a:srgbClr val="3F3969"/>
+              </a:clrFrom>
+              <a:clrTo>
+                <a:srgbClr val="3F3969">
+                  <a:alpha val="0"/>
+                </a:srgbClr>
+              </a:clrTo>
+            </a:clrChange>
+          </a:blip>
+          <a:stretch>
+            <a:fillRect/>
+          </a:stretch>
+        </p:blipFill>
+        <p:spPr>
+          <a:xfrm>
+            <a:off x="4422775" y="4076701"/>
+            <a:ext cx="1066800" cy="1076325"/>
+          </a:xfrm>
+          <a:prstGeom prst="rect">
+            <a:avLst/>
+          </a:prstGeom>
+        </p:spPr>
+      </p:pic>
+      <p:pic>
+        <p:nvPicPr>
+          <p:cNvPr id="3" name="그림 2">
+            <a:extLst>
+              <a:ext uri="{FF2B5EF4-FFF2-40B4-BE49-F238E27FC236}">
+                <a16:creationId xmlns:a16="http://schemas.microsoft.com/office/drawing/2014/main" id="{3ABE4858-6210-474E-8657-0D3FAAEEBAE9}"/>
+              </a:ext>
+            </a:extLst>
+          </p:cNvPr>
+          <p:cNvPicPr>
+            <a:picLocks noChangeAspect="1"/>
+          </p:cNvPicPr>
+          <p:nvPr/>
+        </p:nvPicPr>
+        <p:blipFill>
+          <a:blip r:embed="rId3"/>
+          <a:stretch>
+            <a:fillRect/>
+          </a:stretch>
+        </p:blipFill>
+        <p:spPr>
+          <a:xfrm>
+            <a:off x="5327650" y="581024"/>
+            <a:ext cx="1123950" cy="1123950"/>
+          </a:xfrm>
+          <a:prstGeom prst="rect">
+            <a:avLst/>
+          </a:prstGeom>
+        </p:spPr>
+      </p:pic>
+      <p:pic>
+        <p:nvPicPr>
+          <p:cNvPr id="4" name="그림 3">
+            <a:extLst>
+              <a:ext uri="{FF2B5EF4-FFF2-40B4-BE49-F238E27FC236}">
+                <a16:creationId xmlns:a16="http://schemas.microsoft.com/office/drawing/2014/main" id="{CEA2E905-8998-45F1-8510-4EA6E35A8087}"/>
+              </a:ext>
+            </a:extLst>
+          </p:cNvPr>
+          <p:cNvPicPr>
+            <a:picLocks noChangeAspect="1"/>
+          </p:cNvPicPr>
+          <p:nvPr/>
+        </p:nvPicPr>
+        <p:blipFill>
+          <a:blip r:embed="rId4"/>
+          <a:stretch>
+            <a:fillRect/>
+          </a:stretch>
+        </p:blipFill>
+        <p:spPr>
+          <a:xfrm>
+            <a:off x="5889625" y="1849437"/>
+            <a:ext cx="1123950" cy="1104900"/>
+          </a:xfrm>
+          <a:prstGeom prst="rect">
+            <a:avLst/>
+          </a:prstGeom>
+        </p:spPr>
+      </p:pic>
+      <p:pic>
+        <p:nvPicPr>
+          <p:cNvPr id="5" name="그림 4">
+            <a:extLst>
+              <a:ext uri="{FF2B5EF4-FFF2-40B4-BE49-F238E27FC236}">
+                <a16:creationId xmlns:a16="http://schemas.microsoft.com/office/drawing/2014/main" id="{AD861737-1404-41BE-857F-34F8FE345953}"/>
+              </a:ext>
+            </a:extLst>
+          </p:cNvPr>
+          <p:cNvPicPr>
+            <a:picLocks noChangeAspect="1"/>
+          </p:cNvPicPr>
+          <p:nvPr/>
+        </p:nvPicPr>
+        <p:blipFill>
+          <a:blip r:embed="rId5"/>
+          <a:stretch>
+            <a:fillRect/>
+          </a:stretch>
+        </p:blipFill>
+        <p:spPr>
+          <a:xfrm>
+            <a:off x="1108075" y="4014787"/>
+            <a:ext cx="1095375" cy="1038225"/>
+          </a:xfrm>
+          <a:prstGeom prst="rect">
+            <a:avLst/>
+          </a:prstGeom>
+        </p:spPr>
+      </p:pic>
+      <p:sp>
+        <p:nvSpPr>
+          <p:cNvPr id="7" name="타원 6">
+            <a:extLst>
+              <a:ext uri="{FF2B5EF4-FFF2-40B4-BE49-F238E27FC236}">
+                <a16:creationId xmlns:a16="http://schemas.microsoft.com/office/drawing/2014/main" id="{0DCD8D5B-0AF0-4C04-8425-3786FC0E49FD}"/>
+              </a:ext>
+            </a:extLst>
+          </p:cNvPr>
+          <p:cNvSpPr/>
+          <p:nvPr/>
+        </p:nvSpPr>
+        <p:spPr>
+          <a:xfrm>
+            <a:off x="1878012" y="1514474"/>
+            <a:ext cx="418854" cy="409576"/>
+          </a:xfrm>
+          <a:prstGeom prst="ellipse">
+            <a:avLst/>
+          </a:prstGeom>
+          <a:solidFill>
+            <a:srgbClr val="DC2BDF"/>
+          </a:solidFill>
+          <a:ln>
+            <a:noFill/>
+          </a:ln>
+          <a:scene3d>
+            <a:camera prst="orthographicFront"/>
+            <a:lightRig rig="threePt" dir="t"/>
+          </a:scene3d>
+          <a:sp3d prstMaterial="plastic">
+            <a:bevelT w="82550" h="127000"/>
+            <a:bevelB w="0" h="120650"/>
+          </a:sp3d>
+        </p:spPr>
+        <p:style>
+          <a:lnRef idx="2">
+            <a:schemeClr val="accent1">
+              <a:shade val="50000"/>
+            </a:schemeClr>
+          </a:lnRef>
+          <a:fillRef idx="1">
+            <a:schemeClr val="accent1"/>
+          </a:fillRef>
+          <a:effectRef idx="0">
+            <a:schemeClr val="accent1"/>
+          </a:effectRef>
+          <a:fontRef idx="minor">
+            <a:schemeClr val="lt1"/>
+          </a:fontRef>
+        </p:style>
+        <p:txBody>
+          <a:bodyPr rtlCol="0" anchor="ctr"/>
+          <a:lstStyle/>
+          <a:p>
+            <a:pPr algn="ctr"/>
+            <a:endParaRPr lang="ko-KR" altLang="en-US"/>
+          </a:p>
+        </p:txBody>
+      </p:sp>
+      <p:sp>
+        <p:nvSpPr>
+          <p:cNvPr id="8" name="타원 7">
+            <a:extLst>
+              <a:ext uri="{FF2B5EF4-FFF2-40B4-BE49-F238E27FC236}">
+                <a16:creationId xmlns:a16="http://schemas.microsoft.com/office/drawing/2014/main" id="{9B1EFFF7-51A3-487A-9180-EE4A646BF721}"/>
+              </a:ext>
+            </a:extLst>
+          </p:cNvPr>
+          <p:cNvSpPr/>
+          <p:nvPr/>
+        </p:nvSpPr>
+        <p:spPr>
+          <a:xfrm>
+            <a:off x="1964408" y="1849437"/>
+            <a:ext cx="418854" cy="409576"/>
+          </a:xfrm>
+          <a:prstGeom prst="ellipse">
+            <a:avLst/>
+          </a:prstGeom>
+          <a:solidFill>
+            <a:srgbClr val="DC2BDF"/>
+          </a:solidFill>
+          <a:ln>
+            <a:noFill/>
+          </a:ln>
+          <a:scene3d>
+            <a:camera prst="orthographicFront"/>
+            <a:lightRig rig="threePt" dir="t"/>
+          </a:scene3d>
+          <a:sp3d prstMaterial="plastic">
+            <a:bevelT w="82550" h="127000"/>
+            <a:bevelB w="0" h="120650"/>
+          </a:sp3d>
+        </p:spPr>
+        <p:style>
+          <a:lnRef idx="2">
+            <a:schemeClr val="accent1">
+              <a:shade val="50000"/>
+            </a:schemeClr>
+          </a:lnRef>
+          <a:fillRef idx="1">
+            <a:schemeClr val="accent1"/>
+          </a:fillRef>
+          <a:effectRef idx="0">
+            <a:schemeClr val="accent1"/>
+          </a:effectRef>
+          <a:fontRef idx="minor">
+            <a:schemeClr val="lt1"/>
+          </a:fontRef>
+        </p:style>
+        <p:txBody>
+          <a:bodyPr rtlCol="0" anchor="ctr"/>
+          <a:lstStyle/>
+          <a:p>
+            <a:pPr algn="ctr"/>
+            <a:endParaRPr lang="ko-KR" altLang="en-US"/>
+          </a:p>
+        </p:txBody>
+      </p:sp>
+      <p:sp>
+        <p:nvSpPr>
+          <p:cNvPr id="9" name="타원 8">
+            <a:extLst>
+              <a:ext uri="{FF2B5EF4-FFF2-40B4-BE49-F238E27FC236}">
+                <a16:creationId xmlns:a16="http://schemas.microsoft.com/office/drawing/2014/main" id="{4090A7DD-1E87-40B9-BD23-CC2D2DABC6AA}"/>
+              </a:ext>
+            </a:extLst>
+          </p:cNvPr>
+          <p:cNvSpPr/>
+          <p:nvPr/>
+        </p:nvSpPr>
+        <p:spPr>
+          <a:xfrm>
+            <a:off x="1686886" y="2025649"/>
+            <a:ext cx="418854" cy="409576"/>
+          </a:xfrm>
+          <a:prstGeom prst="ellipse">
+            <a:avLst/>
+          </a:prstGeom>
+          <a:solidFill>
+            <a:srgbClr val="DC2BDF"/>
+          </a:solidFill>
+          <a:ln>
+            <a:noFill/>
+          </a:ln>
+          <a:scene3d>
+            <a:camera prst="orthographicFront"/>
+            <a:lightRig rig="threePt" dir="t"/>
+          </a:scene3d>
+          <a:sp3d prstMaterial="plastic">
+            <a:bevelT w="82550" h="127000"/>
+            <a:bevelB w="0" h="120650"/>
+          </a:sp3d>
+        </p:spPr>
+        <p:style>
+          <a:lnRef idx="2">
+            <a:schemeClr val="accent1">
+              <a:shade val="50000"/>
+            </a:schemeClr>
+          </a:lnRef>
+          <a:fillRef idx="1">
+            <a:schemeClr val="accent1"/>
+          </a:fillRef>
+          <a:effectRef idx="0">
+            <a:schemeClr val="accent1"/>
+          </a:effectRef>
+          <a:fontRef idx="minor">
+            <a:schemeClr val="lt1"/>
+          </a:fontRef>
+        </p:style>
+        <p:txBody>
+          <a:bodyPr rtlCol="0" anchor="ctr"/>
+          <a:lstStyle/>
+          <a:p>
+            <a:pPr algn="ctr"/>
+            <a:endParaRPr lang="ko-KR" altLang="en-US"/>
+          </a:p>
+        </p:txBody>
+      </p:sp>
+      <p:sp>
+        <p:nvSpPr>
+          <p:cNvPr id="13" name="직사각형 12">
+            <a:extLst>
+              <a:ext uri="{FF2B5EF4-FFF2-40B4-BE49-F238E27FC236}">
+                <a16:creationId xmlns:a16="http://schemas.microsoft.com/office/drawing/2014/main" id="{D14D942B-B40A-4CAF-B36D-90E87EC5E0A4}"/>
+              </a:ext>
+            </a:extLst>
+          </p:cNvPr>
+          <p:cNvSpPr/>
+          <p:nvPr/>
+        </p:nvSpPr>
+        <p:spPr>
+          <a:xfrm>
+            <a:off x="2711404" y="1448973"/>
+            <a:ext cx="1051752" cy="1051752"/>
+          </a:xfrm>
+          <a:prstGeom prst="rect">
+            <a:avLst/>
+          </a:prstGeom>
+          <a:noFill/>
+          <a:ln>
+            <a:noFill/>
+          </a:ln>
         </p:spPr>
         <p:style>
           <a:lnRef idx="2">
